--- a/figs/Figures.pptx
+++ b/figs/Figures.pptx
@@ -4069,13 +4069,18 @@
           <a:p>
             <a:pPr algn="ctr"/>
             <a:r>
-              <a:rPr lang="en-US" dirty="0">
+              <a:rPr lang="en-US">
                 <a:solidFill>
                   <a:schemeClr val="tx1"/>
                 </a:solidFill>
               </a:rPr>
-              <a:t>Local Cache:</a:t>
-            </a:r>
+              <a:t>Local Caches:</a:t>
+            </a:r>
+            <a:endParaRPr lang="en-US" dirty="0">
+              <a:solidFill>
+                <a:schemeClr val="tx1"/>
+              </a:solidFill>
+            </a:endParaRPr>
           </a:p>
         </p:txBody>
       </p:sp>
@@ -4127,7 +4132,7 @@
                   <a:schemeClr val="tx1"/>
                 </a:solidFill>
               </a:rPr>
-              <a:t>Local Cache:</a:t>
+              <a:t>Local Caches:</a:t>
             </a:r>
           </a:p>
         </p:txBody>
@@ -4936,7 +4941,7 @@
             <a:solidFill>
               <a:schemeClr val="tx1"/>
             </a:solidFill>
-            <a:tailEnd type="triangle"/>
+            <a:tailEnd type="none"/>
           </a:ln>
         </p:spPr>
         <p:style>
@@ -4974,7 +4979,7 @@
             <a:solidFill>
               <a:schemeClr val="tx1"/>
             </a:solidFill>
-            <a:tailEnd type="triangle"/>
+            <a:tailEnd type="none"/>
           </a:ln>
         </p:spPr>
         <p:style>
@@ -5471,7 +5476,7 @@
             <a:solidFill>
               <a:schemeClr val="tx1"/>
             </a:solidFill>
-            <a:tailEnd type="triangle"/>
+            <a:tailEnd type="none"/>
           </a:ln>
         </p:spPr>
         <p:style>
@@ -5510,7 +5515,7 @@
             <a:solidFill>
               <a:schemeClr val="tx1"/>
             </a:solidFill>
-            <a:tailEnd type="triangle"/>
+            <a:tailEnd type="none"/>
           </a:ln>
         </p:spPr>
         <p:style>
@@ -5622,7 +5627,7 @@
             <a:solidFill>
               <a:schemeClr val="tx1"/>
             </a:solidFill>
-            <a:tailEnd type="triangle"/>
+            <a:tailEnd type="none"/>
           </a:ln>
         </p:spPr>
         <p:style>

--- a/figs/Figures.pptx
+++ b/figs/Figures.pptx
@@ -7,6 +7,8 @@
   <p:sldIdLst>
     <p:sldId id="256" r:id="rId2"/>
     <p:sldId id="257" r:id="rId3"/>
+    <p:sldId id="258" r:id="rId4"/>
+    <p:sldId id="259" r:id="rId5"/>
   </p:sldIdLst>
   <p:sldSz cx="12192000" cy="6858000"/>
   <p:notesSz cx="7010400" cy="9296400"/>
@@ -242,7 +244,7 @@
           <a:p>
             <a:fld id="{748816C8-5A5C-47D2-8E81-60C3589E80DA}" type="datetimeFigureOut">
               <a:rPr lang="en-US" smtClean="0"/>
-              <a:t>11/2/2016</a:t>
+              <a:t>11/9/2016</a:t>
             </a:fld>
             <a:endParaRPr lang="en-US"/>
           </a:p>
@@ -410,7 +412,7 @@
           <a:p>
             <a:fld id="{748816C8-5A5C-47D2-8E81-60C3589E80DA}" type="datetimeFigureOut">
               <a:rPr lang="en-US" smtClean="0"/>
-              <a:t>11/2/2016</a:t>
+              <a:t>11/9/2016</a:t>
             </a:fld>
             <a:endParaRPr lang="en-US"/>
           </a:p>
@@ -588,7 +590,7 @@
           <a:p>
             <a:fld id="{748816C8-5A5C-47D2-8E81-60C3589E80DA}" type="datetimeFigureOut">
               <a:rPr lang="en-US" smtClean="0"/>
-              <a:t>11/2/2016</a:t>
+              <a:t>11/9/2016</a:t>
             </a:fld>
             <a:endParaRPr lang="en-US"/>
           </a:p>
@@ -756,7 +758,7 @@
           <a:p>
             <a:fld id="{748816C8-5A5C-47D2-8E81-60C3589E80DA}" type="datetimeFigureOut">
               <a:rPr lang="en-US" smtClean="0"/>
-              <a:t>11/2/2016</a:t>
+              <a:t>11/9/2016</a:t>
             </a:fld>
             <a:endParaRPr lang="en-US"/>
           </a:p>
@@ -1001,7 +1003,7 @@
           <a:p>
             <a:fld id="{748816C8-5A5C-47D2-8E81-60C3589E80DA}" type="datetimeFigureOut">
               <a:rPr lang="en-US" smtClean="0"/>
-              <a:t>11/2/2016</a:t>
+              <a:t>11/9/2016</a:t>
             </a:fld>
             <a:endParaRPr lang="en-US"/>
           </a:p>
@@ -1230,7 +1232,7 @@
           <a:p>
             <a:fld id="{748816C8-5A5C-47D2-8E81-60C3589E80DA}" type="datetimeFigureOut">
               <a:rPr lang="en-US" smtClean="0"/>
-              <a:t>11/2/2016</a:t>
+              <a:t>11/9/2016</a:t>
             </a:fld>
             <a:endParaRPr lang="en-US"/>
           </a:p>
@@ -1594,7 +1596,7 @@
           <a:p>
             <a:fld id="{748816C8-5A5C-47D2-8E81-60C3589E80DA}" type="datetimeFigureOut">
               <a:rPr lang="en-US" smtClean="0"/>
-              <a:t>11/2/2016</a:t>
+              <a:t>11/9/2016</a:t>
             </a:fld>
             <a:endParaRPr lang="en-US"/>
           </a:p>
@@ -1711,7 +1713,7 @@
           <a:p>
             <a:fld id="{748816C8-5A5C-47D2-8E81-60C3589E80DA}" type="datetimeFigureOut">
               <a:rPr lang="en-US" smtClean="0"/>
-              <a:t>11/2/2016</a:t>
+              <a:t>11/9/2016</a:t>
             </a:fld>
             <a:endParaRPr lang="en-US"/>
           </a:p>
@@ -1806,7 +1808,7 @@
           <a:p>
             <a:fld id="{748816C8-5A5C-47D2-8E81-60C3589E80DA}" type="datetimeFigureOut">
               <a:rPr lang="en-US" smtClean="0"/>
-              <a:t>11/2/2016</a:t>
+              <a:t>11/9/2016</a:t>
             </a:fld>
             <a:endParaRPr lang="en-US"/>
           </a:p>
@@ -2081,7 +2083,7 @@
           <a:p>
             <a:fld id="{748816C8-5A5C-47D2-8E81-60C3589E80DA}" type="datetimeFigureOut">
               <a:rPr lang="en-US" smtClean="0"/>
-              <a:t>11/2/2016</a:t>
+              <a:t>11/9/2016</a:t>
             </a:fld>
             <a:endParaRPr lang="en-US"/>
           </a:p>
@@ -2333,7 +2335,7 @@
           <a:p>
             <a:fld id="{748816C8-5A5C-47D2-8E81-60C3589E80DA}" type="datetimeFigureOut">
               <a:rPr lang="en-US" smtClean="0"/>
-              <a:t>11/2/2016</a:t>
+              <a:t>11/9/2016</a:t>
             </a:fld>
             <a:endParaRPr lang="en-US"/>
           </a:p>
@@ -2544,7 +2546,7 @@
           <a:p>
             <a:fld id="{748816C8-5A5C-47D2-8E81-60C3589E80DA}" type="datetimeFigureOut">
               <a:rPr lang="en-US" smtClean="0"/>
-              <a:t>11/2/2016</a:t>
+              <a:t>11/9/2016</a:t>
             </a:fld>
             <a:endParaRPr lang="en-US"/>
           </a:p>
@@ -6184,6 +6186,1974 @@
 </p:sld>
 </file>
 
+<file path=ppt/slides/slide3.xml><?xml version="1.0" encoding="utf-8"?>
+<p:sld xmlns:a="http://schemas.openxmlformats.org/drawingml/2006/main" xmlns:r="http://schemas.openxmlformats.org/officeDocument/2006/relationships" xmlns:p="http://schemas.openxmlformats.org/presentationml/2006/main">
+  <p:cSld>
+    <p:spTree>
+      <p:nvGrpSpPr>
+        <p:cNvPr id="1" name=""/>
+        <p:cNvGrpSpPr/>
+        <p:nvPr/>
+      </p:nvGrpSpPr>
+      <p:grpSpPr>
+        <a:xfrm>
+          <a:off x="0" y="0"/>
+          <a:ext cx="0" cy="0"/>
+          <a:chOff x="0" y="0"/>
+          <a:chExt cx="0" cy="0"/>
+        </a:xfrm>
+      </p:grpSpPr>
+      <p:sp>
+        <p:nvSpPr>
+          <p:cNvPr id="66" name="Rectangle 65"/>
+          <p:cNvSpPr/>
+          <p:nvPr/>
+        </p:nvSpPr>
+        <p:spPr>
+          <a:xfrm>
+            <a:off x="0" y="0"/>
+            <a:ext cx="1962150" cy="2450192"/>
+          </a:xfrm>
+          <a:prstGeom prst="rect">
+            <a:avLst/>
+          </a:prstGeom>
+        </p:spPr>
+        <p:style>
+          <a:lnRef idx="2">
+            <a:schemeClr val="dk1"/>
+          </a:lnRef>
+          <a:fillRef idx="1">
+            <a:schemeClr val="lt1"/>
+          </a:fillRef>
+          <a:effectRef idx="0">
+            <a:schemeClr val="dk1"/>
+          </a:effectRef>
+          <a:fontRef idx="minor">
+            <a:schemeClr val="dk1"/>
+          </a:fontRef>
+        </p:style>
+        <p:txBody>
+          <a:bodyPr rtlCol="0" anchor="t" anchorCtr="0"/>
+          <a:lstStyle/>
+          <a:p>
+            <a:pPr algn="ctr"/>
+            <a:r>
+              <a:rPr lang="en-US" dirty="0"/>
+              <a:t>Service</a:t>
+            </a:r>
+          </a:p>
+        </p:txBody>
+      </p:sp>
+      <p:sp>
+        <p:nvSpPr>
+          <p:cNvPr id="2" name="Rectangle 1"/>
+          <p:cNvSpPr/>
+          <p:nvPr/>
+        </p:nvSpPr>
+        <p:spPr>
+          <a:xfrm>
+            <a:off x="156210" y="605790"/>
+            <a:ext cx="400050" cy="377190"/>
+          </a:xfrm>
+          <a:prstGeom prst="rect">
+            <a:avLst/>
+          </a:prstGeom>
+        </p:spPr>
+        <p:style>
+          <a:lnRef idx="2">
+            <a:schemeClr val="dk1"/>
+          </a:lnRef>
+          <a:fillRef idx="1">
+            <a:schemeClr val="lt1"/>
+          </a:fillRef>
+          <a:effectRef idx="0">
+            <a:schemeClr val="dk1"/>
+          </a:effectRef>
+          <a:fontRef idx="minor">
+            <a:schemeClr val="dk1"/>
+          </a:fontRef>
+        </p:style>
+        <p:txBody>
+          <a:bodyPr rtlCol="0" anchor="ctr"/>
+          <a:lstStyle/>
+          <a:p>
+            <a:pPr algn="ctr"/>
+            <a:endParaRPr lang="en-US" dirty="0"/>
+          </a:p>
+        </p:txBody>
+      </p:sp>
+      <p:sp>
+        <p:nvSpPr>
+          <p:cNvPr id="6" name="Rectangle 5"/>
+          <p:cNvSpPr/>
+          <p:nvPr/>
+        </p:nvSpPr>
+        <p:spPr>
+          <a:xfrm>
+            <a:off x="156210" y="1779378"/>
+            <a:ext cx="400050" cy="377190"/>
+          </a:xfrm>
+          <a:prstGeom prst="rect">
+            <a:avLst/>
+          </a:prstGeom>
+        </p:spPr>
+        <p:style>
+          <a:lnRef idx="2">
+            <a:schemeClr val="dk1"/>
+          </a:lnRef>
+          <a:fillRef idx="1">
+            <a:schemeClr val="lt1"/>
+          </a:fillRef>
+          <a:effectRef idx="0">
+            <a:schemeClr val="dk1"/>
+          </a:effectRef>
+          <a:fontRef idx="minor">
+            <a:schemeClr val="dk1"/>
+          </a:fontRef>
+        </p:style>
+        <p:txBody>
+          <a:bodyPr rtlCol="0" anchor="ctr"/>
+          <a:lstStyle/>
+          <a:p>
+            <a:pPr algn="ctr"/>
+            <a:endParaRPr lang="en-US" dirty="0"/>
+          </a:p>
+        </p:txBody>
+      </p:sp>
+      <p:sp>
+        <p:nvSpPr>
+          <p:cNvPr id="7" name="Rectangle 6"/>
+          <p:cNvSpPr/>
+          <p:nvPr/>
+        </p:nvSpPr>
+        <p:spPr>
+          <a:xfrm>
+            <a:off x="356235" y="1857305"/>
+            <a:ext cx="400050" cy="377190"/>
+          </a:xfrm>
+          <a:prstGeom prst="rect">
+            <a:avLst/>
+          </a:prstGeom>
+        </p:spPr>
+        <p:style>
+          <a:lnRef idx="2">
+            <a:schemeClr val="dk1"/>
+          </a:lnRef>
+          <a:fillRef idx="1">
+            <a:schemeClr val="lt1"/>
+          </a:fillRef>
+          <a:effectRef idx="0">
+            <a:schemeClr val="dk1"/>
+          </a:effectRef>
+          <a:fontRef idx="minor">
+            <a:schemeClr val="dk1"/>
+          </a:fontRef>
+        </p:style>
+        <p:txBody>
+          <a:bodyPr rtlCol="0" anchor="ctr"/>
+          <a:lstStyle/>
+          <a:p>
+            <a:pPr algn="ctr"/>
+            <a:endParaRPr lang="en-US" dirty="0"/>
+          </a:p>
+        </p:txBody>
+      </p:sp>
+      <p:sp>
+        <p:nvSpPr>
+          <p:cNvPr id="8" name="Rectangle 7"/>
+          <p:cNvSpPr/>
+          <p:nvPr/>
+        </p:nvSpPr>
+        <p:spPr>
+          <a:xfrm>
+            <a:off x="705927" y="1993751"/>
+            <a:ext cx="400050" cy="377190"/>
+          </a:xfrm>
+          <a:prstGeom prst="rect">
+            <a:avLst/>
+          </a:prstGeom>
+        </p:spPr>
+        <p:style>
+          <a:lnRef idx="2">
+            <a:schemeClr val="dk1"/>
+          </a:lnRef>
+          <a:fillRef idx="1">
+            <a:schemeClr val="lt1"/>
+          </a:fillRef>
+          <a:effectRef idx="0">
+            <a:schemeClr val="dk1"/>
+          </a:effectRef>
+          <a:fontRef idx="minor">
+            <a:schemeClr val="dk1"/>
+          </a:fontRef>
+        </p:style>
+        <p:txBody>
+          <a:bodyPr rtlCol="0" anchor="ctr"/>
+          <a:lstStyle/>
+          <a:p>
+            <a:pPr algn="ctr"/>
+            <a:endParaRPr lang="en-US" dirty="0"/>
+          </a:p>
+        </p:txBody>
+      </p:sp>
+      <p:sp>
+        <p:nvSpPr>
+          <p:cNvPr id="9" name="Rectangle 8"/>
+          <p:cNvSpPr/>
+          <p:nvPr/>
+        </p:nvSpPr>
+        <p:spPr>
+          <a:xfrm>
+            <a:off x="560633" y="1925707"/>
+            <a:ext cx="400050" cy="377190"/>
+          </a:xfrm>
+          <a:prstGeom prst="rect">
+            <a:avLst/>
+          </a:prstGeom>
+        </p:spPr>
+        <p:style>
+          <a:lnRef idx="2">
+            <a:schemeClr val="dk1"/>
+          </a:lnRef>
+          <a:fillRef idx="1">
+            <a:schemeClr val="lt1"/>
+          </a:fillRef>
+          <a:effectRef idx="0">
+            <a:schemeClr val="dk1"/>
+          </a:effectRef>
+          <a:fontRef idx="minor">
+            <a:schemeClr val="dk1"/>
+          </a:fontRef>
+        </p:style>
+        <p:txBody>
+          <a:bodyPr rtlCol="0" anchor="ctr"/>
+          <a:lstStyle/>
+          <a:p>
+            <a:pPr algn="ctr"/>
+            <a:endParaRPr lang="en-US" dirty="0"/>
+          </a:p>
+        </p:txBody>
+      </p:sp>
+      <p:sp>
+        <p:nvSpPr>
+          <p:cNvPr id="44" name="TextBox 43"/>
+          <p:cNvSpPr txBox="1"/>
+          <p:nvPr/>
+        </p:nvSpPr>
+        <p:spPr>
+          <a:xfrm>
+            <a:off x="1120742" y="541675"/>
+            <a:ext cx="1213484" cy="369332"/>
+          </a:xfrm>
+          <a:prstGeom prst="rect">
+            <a:avLst/>
+          </a:prstGeom>
+          <a:noFill/>
+        </p:spPr>
+        <p:txBody>
+          <a:bodyPr wrap="square" rtlCol="0">
+            <a:spAutoFit/>
+          </a:bodyPr>
+          <a:lstStyle/>
+          <a:p>
+            <a:r>
+              <a:rPr lang="en-US" dirty="0">
+                <a:latin typeface="Arial Narrow" panose="020B0606020202030204" pitchFamily="34" charset="0"/>
+              </a:rPr>
+              <a:t>views</a:t>
+            </a:r>
+          </a:p>
+        </p:txBody>
+      </p:sp>
+      <p:sp>
+        <p:nvSpPr>
+          <p:cNvPr id="3" name="Rectangle 2"/>
+          <p:cNvSpPr/>
+          <p:nvPr/>
+        </p:nvSpPr>
+        <p:spPr>
+          <a:xfrm>
+            <a:off x="343853" y="648414"/>
+            <a:ext cx="400050" cy="377190"/>
+          </a:xfrm>
+          <a:prstGeom prst="rect">
+            <a:avLst/>
+          </a:prstGeom>
+        </p:spPr>
+        <p:style>
+          <a:lnRef idx="2">
+            <a:schemeClr val="dk1"/>
+          </a:lnRef>
+          <a:fillRef idx="1">
+            <a:schemeClr val="lt1"/>
+          </a:fillRef>
+          <a:effectRef idx="0">
+            <a:schemeClr val="dk1"/>
+          </a:effectRef>
+          <a:fontRef idx="minor">
+            <a:schemeClr val="dk1"/>
+          </a:fontRef>
+        </p:style>
+        <p:txBody>
+          <a:bodyPr rtlCol="0" anchor="ctr"/>
+          <a:lstStyle/>
+          <a:p>
+            <a:pPr algn="ctr"/>
+            <a:endParaRPr lang="en-US" dirty="0"/>
+          </a:p>
+        </p:txBody>
+      </p:sp>
+      <p:sp>
+        <p:nvSpPr>
+          <p:cNvPr id="4" name="Rectangle 3"/>
+          <p:cNvSpPr/>
+          <p:nvPr/>
+        </p:nvSpPr>
+        <p:spPr>
+          <a:xfrm>
+            <a:off x="515904" y="726341"/>
+            <a:ext cx="400050" cy="377190"/>
+          </a:xfrm>
+          <a:prstGeom prst="rect">
+            <a:avLst/>
+          </a:prstGeom>
+        </p:spPr>
+        <p:style>
+          <a:lnRef idx="2">
+            <a:schemeClr val="dk1"/>
+          </a:lnRef>
+          <a:fillRef idx="1">
+            <a:schemeClr val="lt1"/>
+          </a:fillRef>
+          <a:effectRef idx="0">
+            <a:schemeClr val="dk1"/>
+          </a:effectRef>
+          <a:fontRef idx="minor">
+            <a:schemeClr val="dk1"/>
+          </a:fontRef>
+        </p:style>
+        <p:txBody>
+          <a:bodyPr rtlCol="0" anchor="ctr"/>
+          <a:lstStyle/>
+          <a:p>
+            <a:pPr algn="ctr"/>
+            <a:endParaRPr lang="en-US" dirty="0"/>
+          </a:p>
+        </p:txBody>
+      </p:sp>
+      <p:sp>
+        <p:nvSpPr>
+          <p:cNvPr id="5" name="Rectangle 4"/>
+          <p:cNvSpPr/>
+          <p:nvPr/>
+        </p:nvSpPr>
+        <p:spPr>
+          <a:xfrm>
+            <a:off x="643538" y="818674"/>
+            <a:ext cx="400050" cy="377190"/>
+          </a:xfrm>
+          <a:prstGeom prst="rect">
+            <a:avLst/>
+          </a:prstGeom>
+        </p:spPr>
+        <p:style>
+          <a:lnRef idx="2">
+            <a:schemeClr val="dk1"/>
+          </a:lnRef>
+          <a:fillRef idx="1">
+            <a:schemeClr val="lt1"/>
+          </a:fillRef>
+          <a:effectRef idx="0">
+            <a:schemeClr val="dk1"/>
+          </a:effectRef>
+          <a:fontRef idx="minor">
+            <a:schemeClr val="dk1"/>
+          </a:fontRef>
+        </p:style>
+        <p:txBody>
+          <a:bodyPr rtlCol="0" anchor="ctr"/>
+          <a:lstStyle/>
+          <a:p>
+            <a:pPr algn="ctr"/>
+            <a:endParaRPr lang="en-US" dirty="0"/>
+          </a:p>
+        </p:txBody>
+      </p:sp>
+      <p:sp>
+        <p:nvSpPr>
+          <p:cNvPr id="103" name="TextBox 102"/>
+          <p:cNvSpPr txBox="1"/>
+          <p:nvPr/>
+        </p:nvSpPr>
+        <p:spPr>
+          <a:xfrm>
+            <a:off x="1132406" y="1971902"/>
+            <a:ext cx="1213484" cy="369332"/>
+          </a:xfrm>
+          <a:prstGeom prst="rect">
+            <a:avLst/>
+          </a:prstGeom>
+          <a:noFill/>
+        </p:spPr>
+        <p:txBody>
+          <a:bodyPr wrap="square" rtlCol="0">
+            <a:spAutoFit/>
+          </a:bodyPr>
+          <a:lstStyle/>
+          <a:p>
+            <a:r>
+              <a:rPr lang="en-US" dirty="0">
+                <a:latin typeface="Arial Narrow" panose="020B0606020202030204" pitchFamily="34" charset="0"/>
+              </a:rPr>
+              <a:t>items</a:t>
+            </a:r>
+          </a:p>
+        </p:txBody>
+      </p:sp>
+      <p:cxnSp>
+        <p:nvCxnSpPr>
+          <p:cNvPr id="105" name="Straight Connector 104"/>
+          <p:cNvCxnSpPr/>
+          <p:nvPr/>
+        </p:nvCxnSpPr>
+        <p:spPr>
+          <a:xfrm>
+            <a:off x="247650" y="1195864"/>
+            <a:ext cx="0" cy="423386"/>
+          </a:xfrm>
+          <a:prstGeom prst="line">
+            <a:avLst/>
+          </a:prstGeom>
+          <a:ln w="19050">
+            <a:solidFill>
+              <a:schemeClr val="tx1"/>
+            </a:solidFill>
+          </a:ln>
+        </p:spPr>
+        <p:style>
+          <a:lnRef idx="1">
+            <a:schemeClr val="accent1"/>
+          </a:lnRef>
+          <a:fillRef idx="0">
+            <a:schemeClr val="accent1"/>
+          </a:fillRef>
+          <a:effectRef idx="0">
+            <a:schemeClr val="accent1"/>
+          </a:effectRef>
+          <a:fontRef idx="minor">
+            <a:schemeClr val="tx1"/>
+          </a:fontRef>
+        </p:style>
+      </p:cxnSp>
+      <p:cxnSp>
+        <p:nvCxnSpPr>
+          <p:cNvPr id="106" name="Straight Connector 105"/>
+          <p:cNvCxnSpPr/>
+          <p:nvPr/>
+        </p:nvCxnSpPr>
+        <p:spPr>
+          <a:xfrm>
+            <a:off x="247650" y="1619250"/>
+            <a:ext cx="121744" cy="0"/>
+          </a:xfrm>
+          <a:prstGeom prst="line">
+            <a:avLst/>
+          </a:prstGeom>
+          <a:ln w="19050">
+            <a:solidFill>
+              <a:schemeClr val="tx1"/>
+            </a:solidFill>
+          </a:ln>
+        </p:spPr>
+        <p:style>
+          <a:lnRef idx="1">
+            <a:schemeClr val="accent1"/>
+          </a:lnRef>
+          <a:fillRef idx="0">
+            <a:schemeClr val="accent1"/>
+          </a:fillRef>
+          <a:effectRef idx="0">
+            <a:schemeClr val="accent1"/>
+          </a:effectRef>
+          <a:fontRef idx="minor">
+            <a:schemeClr val="tx1"/>
+          </a:fontRef>
+        </p:style>
+      </p:cxnSp>
+      <p:cxnSp>
+        <p:nvCxnSpPr>
+          <p:cNvPr id="110" name="Straight Arrow Connector 109"/>
+          <p:cNvCxnSpPr/>
+          <p:nvPr/>
+        </p:nvCxnSpPr>
+        <p:spPr>
+          <a:xfrm flipV="1">
+            <a:off x="356235" y="1225096"/>
+            <a:ext cx="0" cy="394154"/>
+          </a:xfrm>
+          <a:prstGeom prst="straightConnector1">
+            <a:avLst/>
+          </a:prstGeom>
+          <a:ln w="19050">
+            <a:solidFill>
+              <a:schemeClr val="tx1"/>
+            </a:solidFill>
+            <a:tailEnd type="triangle"/>
+          </a:ln>
+        </p:spPr>
+        <p:style>
+          <a:lnRef idx="1">
+            <a:schemeClr val="accent1"/>
+          </a:lnRef>
+          <a:fillRef idx="0">
+            <a:schemeClr val="accent1"/>
+          </a:fillRef>
+          <a:effectRef idx="0">
+            <a:schemeClr val="accent1"/>
+          </a:effectRef>
+          <a:fontRef idx="minor">
+            <a:schemeClr val="tx1"/>
+          </a:fontRef>
+        </p:style>
+      </p:cxnSp>
+      <p:cxnSp>
+        <p:nvCxnSpPr>
+          <p:cNvPr id="111" name="Straight Connector 110"/>
+          <p:cNvCxnSpPr/>
+          <p:nvPr/>
+        </p:nvCxnSpPr>
+        <p:spPr>
+          <a:xfrm>
+            <a:off x="946824" y="1269883"/>
+            <a:ext cx="0" cy="423386"/>
+          </a:xfrm>
+          <a:prstGeom prst="line">
+            <a:avLst/>
+          </a:prstGeom>
+          <a:ln w="19050">
+            <a:solidFill>
+              <a:schemeClr val="tx1"/>
+            </a:solidFill>
+          </a:ln>
+        </p:spPr>
+        <p:style>
+          <a:lnRef idx="1">
+            <a:schemeClr val="accent1"/>
+          </a:lnRef>
+          <a:fillRef idx="0">
+            <a:schemeClr val="accent1"/>
+          </a:fillRef>
+          <a:effectRef idx="0">
+            <a:schemeClr val="accent1"/>
+          </a:effectRef>
+          <a:fontRef idx="minor">
+            <a:schemeClr val="tx1"/>
+          </a:fontRef>
+        </p:style>
+      </p:cxnSp>
+      <p:cxnSp>
+        <p:nvCxnSpPr>
+          <p:cNvPr id="112" name="Straight Connector 111"/>
+          <p:cNvCxnSpPr/>
+          <p:nvPr/>
+        </p:nvCxnSpPr>
+        <p:spPr>
+          <a:xfrm>
+            <a:off x="946824" y="1693269"/>
+            <a:ext cx="173918" cy="0"/>
+          </a:xfrm>
+          <a:prstGeom prst="line">
+            <a:avLst/>
+          </a:prstGeom>
+          <a:ln w="19050">
+            <a:solidFill>
+              <a:schemeClr val="tx1"/>
+            </a:solidFill>
+          </a:ln>
+        </p:spPr>
+        <p:style>
+          <a:lnRef idx="1">
+            <a:schemeClr val="accent1"/>
+          </a:lnRef>
+          <a:fillRef idx="0">
+            <a:schemeClr val="accent1"/>
+          </a:fillRef>
+          <a:effectRef idx="0">
+            <a:schemeClr val="accent1"/>
+          </a:effectRef>
+          <a:fontRef idx="minor">
+            <a:schemeClr val="tx1"/>
+          </a:fontRef>
+        </p:style>
+      </p:cxnSp>
+      <p:cxnSp>
+        <p:nvCxnSpPr>
+          <p:cNvPr id="113" name="Straight Arrow Connector 112"/>
+          <p:cNvCxnSpPr/>
+          <p:nvPr/>
+        </p:nvCxnSpPr>
+        <p:spPr>
+          <a:xfrm flipV="1">
+            <a:off x="1055409" y="1299115"/>
+            <a:ext cx="0" cy="394154"/>
+          </a:xfrm>
+          <a:prstGeom prst="straightConnector1">
+            <a:avLst/>
+          </a:prstGeom>
+          <a:ln w="19050">
+            <a:solidFill>
+              <a:schemeClr val="tx1"/>
+            </a:solidFill>
+            <a:tailEnd type="triangle"/>
+          </a:ln>
+        </p:spPr>
+        <p:style>
+          <a:lnRef idx="1">
+            <a:schemeClr val="accent1"/>
+          </a:lnRef>
+          <a:fillRef idx="0">
+            <a:schemeClr val="accent1"/>
+          </a:fillRef>
+          <a:effectRef idx="0">
+            <a:schemeClr val="accent1"/>
+          </a:effectRef>
+          <a:fontRef idx="minor">
+            <a:schemeClr val="tx1"/>
+          </a:fontRef>
+        </p:style>
+      </p:cxnSp>
+      <p:cxnSp>
+        <p:nvCxnSpPr>
+          <p:cNvPr id="114" name="Straight Arrow Connector 113"/>
+          <p:cNvCxnSpPr/>
+          <p:nvPr/>
+        </p:nvCxnSpPr>
+        <p:spPr>
+          <a:xfrm flipV="1">
+            <a:off x="1120742" y="1394228"/>
+            <a:ext cx="2722" cy="311150"/>
+          </a:xfrm>
+          <a:prstGeom prst="straightConnector1">
+            <a:avLst/>
+          </a:prstGeom>
+          <a:ln w="19050">
+            <a:solidFill>
+              <a:schemeClr val="tx1"/>
+            </a:solidFill>
+            <a:tailEnd type="triangle"/>
+          </a:ln>
+        </p:spPr>
+        <p:style>
+          <a:lnRef idx="1">
+            <a:schemeClr val="accent1"/>
+          </a:lnRef>
+          <a:fillRef idx="0">
+            <a:schemeClr val="accent1"/>
+          </a:fillRef>
+          <a:effectRef idx="0">
+            <a:schemeClr val="accent1"/>
+          </a:effectRef>
+          <a:fontRef idx="minor">
+            <a:schemeClr val="tx1"/>
+          </a:fontRef>
+        </p:style>
+      </p:cxnSp>
+      <p:sp>
+        <p:nvSpPr>
+          <p:cNvPr id="117" name="TextBox 116"/>
+          <p:cNvSpPr txBox="1"/>
+          <p:nvPr/>
+        </p:nvSpPr>
+        <p:spPr>
+          <a:xfrm>
+            <a:off x="270164" y="1321360"/>
+            <a:ext cx="553357" cy="307777"/>
+          </a:xfrm>
+          <a:prstGeom prst="rect">
+            <a:avLst/>
+          </a:prstGeom>
+          <a:noFill/>
+        </p:spPr>
+        <p:txBody>
+          <a:bodyPr wrap="none" rtlCol="0">
+            <a:spAutoFit/>
+          </a:bodyPr>
+          <a:lstStyle/>
+          <a:p>
+            <a:r>
+              <a:rPr lang="en-US" sz="1400" dirty="0">
+                <a:latin typeface="Arial Narrow" panose="020B0606020202030204" pitchFamily="34" charset="0"/>
+              </a:rPr>
+              <a:t>query</a:t>
+            </a:r>
+          </a:p>
+        </p:txBody>
+      </p:sp>
+      <p:sp>
+        <p:nvSpPr>
+          <p:cNvPr id="118" name="TextBox 117"/>
+          <p:cNvSpPr txBox="1"/>
+          <p:nvPr/>
+        </p:nvSpPr>
+        <p:spPr>
+          <a:xfrm>
+            <a:off x="1009514" y="1140603"/>
+            <a:ext cx="750526" cy="307777"/>
+          </a:xfrm>
+          <a:prstGeom prst="rect">
+            <a:avLst/>
+          </a:prstGeom>
+          <a:noFill/>
+        </p:spPr>
+        <p:txBody>
+          <a:bodyPr wrap="none" rtlCol="0">
+            <a:spAutoFit/>
+          </a:bodyPr>
+          <a:lstStyle/>
+          <a:p>
+            <a:r>
+              <a:rPr lang="en-US" sz="1400" dirty="0">
+                <a:latin typeface="Arial Narrow" panose="020B0606020202030204" pitchFamily="34" charset="0"/>
+              </a:rPr>
+              <a:t>mutation</a:t>
+            </a:r>
+          </a:p>
+        </p:txBody>
+      </p:sp>
+      <p:sp>
+        <p:nvSpPr>
+          <p:cNvPr id="119" name="TextBox 118"/>
+          <p:cNvSpPr txBox="1"/>
+          <p:nvPr/>
+        </p:nvSpPr>
+        <p:spPr>
+          <a:xfrm>
+            <a:off x="1075076" y="1314977"/>
+            <a:ext cx="962123" cy="307777"/>
+          </a:xfrm>
+          <a:prstGeom prst="rect">
+            <a:avLst/>
+          </a:prstGeom>
+          <a:noFill/>
+        </p:spPr>
+        <p:txBody>
+          <a:bodyPr wrap="none" rtlCol="0">
+            <a:spAutoFit/>
+          </a:bodyPr>
+          <a:lstStyle/>
+          <a:p>
+            <a:r>
+              <a:rPr lang="en-US" sz="1400" dirty="0">
+                <a:latin typeface="Arial Narrow" panose="020B0606020202030204" pitchFamily="34" charset="0"/>
+              </a:rPr>
+              <a:t>propagation</a:t>
+            </a:r>
+          </a:p>
+        </p:txBody>
+      </p:sp>
+    </p:spTree>
+    <p:extLst>
+      <p:ext uri="{BB962C8B-B14F-4D97-AF65-F5344CB8AC3E}">
+        <p14:creationId xmlns:p14="http://schemas.microsoft.com/office/powerpoint/2010/main" val="1476718030"/>
+      </p:ext>
+    </p:extLst>
+  </p:cSld>
+  <p:clrMapOvr>
+    <a:masterClrMapping/>
+  </p:clrMapOvr>
+</p:sld>
+</file>
+
+<file path=ppt/slides/slide4.xml><?xml version="1.0" encoding="utf-8"?>
+<p:sld xmlns:a="http://schemas.openxmlformats.org/drawingml/2006/main" xmlns:r="http://schemas.openxmlformats.org/officeDocument/2006/relationships" xmlns:p="http://schemas.openxmlformats.org/presentationml/2006/main">
+  <p:cSld>
+    <p:spTree>
+      <p:nvGrpSpPr>
+        <p:cNvPr id="1" name=""/>
+        <p:cNvGrpSpPr/>
+        <p:nvPr/>
+      </p:nvGrpSpPr>
+      <p:grpSpPr>
+        <a:xfrm>
+          <a:off x="0" y="0"/>
+          <a:ext cx="0" cy="0"/>
+          <a:chOff x="0" y="0"/>
+          <a:chExt cx="0" cy="0"/>
+        </a:xfrm>
+      </p:grpSpPr>
+      <p:sp>
+        <p:nvSpPr>
+          <p:cNvPr id="68" name="Rectangle 67"/>
+          <p:cNvSpPr/>
+          <p:nvPr/>
+        </p:nvSpPr>
+        <p:spPr>
+          <a:xfrm>
+            <a:off x="0" y="0"/>
+            <a:ext cx="1785257" cy="2125980"/>
+          </a:xfrm>
+          <a:prstGeom prst="rect">
+            <a:avLst/>
+          </a:prstGeom>
+        </p:spPr>
+        <p:style>
+          <a:lnRef idx="2">
+            <a:schemeClr val="dk1"/>
+          </a:lnRef>
+          <a:fillRef idx="1">
+            <a:schemeClr val="lt1"/>
+          </a:fillRef>
+          <a:effectRef idx="0">
+            <a:schemeClr val="dk1"/>
+          </a:effectRef>
+          <a:fontRef idx="minor">
+            <a:schemeClr val="dk1"/>
+          </a:fontRef>
+        </p:style>
+        <p:txBody>
+          <a:bodyPr rtlCol="0" anchor="t" anchorCtr="0"/>
+          <a:lstStyle/>
+          <a:p>
+            <a:pPr algn="ctr"/>
+            <a:r>
+              <a:rPr lang="en-US" dirty="0"/>
+              <a:t>Load Generator</a:t>
+            </a:r>
+          </a:p>
+        </p:txBody>
+      </p:sp>
+      <p:cxnSp>
+        <p:nvCxnSpPr>
+          <p:cNvPr id="99" name="Straight Connector 98"/>
+          <p:cNvCxnSpPr>
+            <a:stCxn id="69" idx="3"/>
+            <a:endCxn id="6" idx="1"/>
+          </p:cNvCxnSpPr>
+          <p:nvPr/>
+        </p:nvCxnSpPr>
+        <p:spPr>
+          <a:xfrm>
+            <a:off x="901619" y="1141386"/>
+            <a:ext cx="1396333" cy="826587"/>
+          </a:xfrm>
+          <a:prstGeom prst="line">
+            <a:avLst/>
+          </a:prstGeom>
+          <a:ln w="12700">
+            <a:solidFill>
+              <a:schemeClr val="tx1"/>
+            </a:solidFill>
+            <a:tailEnd type="arrow"/>
+          </a:ln>
+        </p:spPr>
+        <p:style>
+          <a:lnRef idx="1">
+            <a:schemeClr val="accent1"/>
+          </a:lnRef>
+          <a:fillRef idx="0">
+            <a:schemeClr val="accent1"/>
+          </a:fillRef>
+          <a:effectRef idx="0">
+            <a:schemeClr val="accent1"/>
+          </a:effectRef>
+          <a:fontRef idx="minor">
+            <a:schemeClr val="tx1"/>
+          </a:fontRef>
+        </p:style>
+      </p:cxnSp>
+      <p:sp>
+        <p:nvSpPr>
+          <p:cNvPr id="66" name="Rectangle 65"/>
+          <p:cNvSpPr/>
+          <p:nvPr/>
+        </p:nvSpPr>
+        <p:spPr>
+          <a:xfrm>
+            <a:off x="2141742" y="0"/>
+            <a:ext cx="1785257" cy="2450192"/>
+          </a:xfrm>
+          <a:prstGeom prst="rect">
+            <a:avLst/>
+          </a:prstGeom>
+        </p:spPr>
+        <p:style>
+          <a:lnRef idx="2">
+            <a:schemeClr val="dk1"/>
+          </a:lnRef>
+          <a:fillRef idx="1">
+            <a:schemeClr val="lt1"/>
+          </a:fillRef>
+          <a:effectRef idx="0">
+            <a:schemeClr val="dk1"/>
+          </a:effectRef>
+          <a:fontRef idx="minor">
+            <a:schemeClr val="dk1"/>
+          </a:fontRef>
+        </p:style>
+        <p:txBody>
+          <a:bodyPr rtlCol="0" anchor="t" anchorCtr="0"/>
+          <a:lstStyle/>
+          <a:p>
+            <a:pPr algn="ctr"/>
+            <a:r>
+              <a:rPr lang="en-US" dirty="0"/>
+              <a:t>Service</a:t>
+            </a:r>
+          </a:p>
+        </p:txBody>
+      </p:sp>
+      <p:sp>
+        <p:nvSpPr>
+          <p:cNvPr id="2" name="Rectangle 1"/>
+          <p:cNvSpPr/>
+          <p:nvPr/>
+        </p:nvSpPr>
+        <p:spPr>
+          <a:xfrm>
+            <a:off x="2297952" y="605790"/>
+            <a:ext cx="400050" cy="377190"/>
+          </a:xfrm>
+          <a:prstGeom prst="rect">
+            <a:avLst/>
+          </a:prstGeom>
+        </p:spPr>
+        <p:style>
+          <a:lnRef idx="2">
+            <a:schemeClr val="dk1"/>
+          </a:lnRef>
+          <a:fillRef idx="1">
+            <a:schemeClr val="lt1"/>
+          </a:fillRef>
+          <a:effectRef idx="0">
+            <a:schemeClr val="dk1"/>
+          </a:effectRef>
+          <a:fontRef idx="minor">
+            <a:schemeClr val="dk1"/>
+          </a:fontRef>
+        </p:style>
+        <p:txBody>
+          <a:bodyPr rtlCol="0" anchor="ctr"/>
+          <a:lstStyle/>
+          <a:p>
+            <a:pPr algn="ctr"/>
+            <a:endParaRPr lang="en-US" dirty="0"/>
+          </a:p>
+        </p:txBody>
+      </p:sp>
+      <p:sp>
+        <p:nvSpPr>
+          <p:cNvPr id="6" name="Rectangle 5"/>
+          <p:cNvSpPr/>
+          <p:nvPr/>
+        </p:nvSpPr>
+        <p:spPr>
+          <a:xfrm>
+            <a:off x="2297952" y="1779378"/>
+            <a:ext cx="400050" cy="377190"/>
+          </a:xfrm>
+          <a:prstGeom prst="rect">
+            <a:avLst/>
+          </a:prstGeom>
+        </p:spPr>
+        <p:style>
+          <a:lnRef idx="2">
+            <a:schemeClr val="dk1"/>
+          </a:lnRef>
+          <a:fillRef idx="1">
+            <a:schemeClr val="lt1"/>
+          </a:fillRef>
+          <a:effectRef idx="0">
+            <a:schemeClr val="dk1"/>
+          </a:effectRef>
+          <a:fontRef idx="minor">
+            <a:schemeClr val="dk1"/>
+          </a:fontRef>
+        </p:style>
+        <p:txBody>
+          <a:bodyPr rtlCol="0" anchor="ctr"/>
+          <a:lstStyle/>
+          <a:p>
+            <a:pPr algn="ctr"/>
+            <a:endParaRPr lang="en-US" dirty="0"/>
+          </a:p>
+        </p:txBody>
+      </p:sp>
+      <p:sp>
+        <p:nvSpPr>
+          <p:cNvPr id="7" name="Rectangle 6"/>
+          <p:cNvSpPr/>
+          <p:nvPr/>
+        </p:nvSpPr>
+        <p:spPr>
+          <a:xfrm>
+            <a:off x="2497977" y="1857305"/>
+            <a:ext cx="400050" cy="377190"/>
+          </a:xfrm>
+          <a:prstGeom prst="rect">
+            <a:avLst/>
+          </a:prstGeom>
+        </p:spPr>
+        <p:style>
+          <a:lnRef idx="2">
+            <a:schemeClr val="dk1"/>
+          </a:lnRef>
+          <a:fillRef idx="1">
+            <a:schemeClr val="lt1"/>
+          </a:fillRef>
+          <a:effectRef idx="0">
+            <a:schemeClr val="dk1"/>
+          </a:effectRef>
+          <a:fontRef idx="minor">
+            <a:schemeClr val="dk1"/>
+          </a:fontRef>
+        </p:style>
+        <p:txBody>
+          <a:bodyPr rtlCol="0" anchor="ctr"/>
+          <a:lstStyle/>
+          <a:p>
+            <a:pPr algn="ctr"/>
+            <a:endParaRPr lang="en-US" dirty="0"/>
+          </a:p>
+        </p:txBody>
+      </p:sp>
+      <p:sp>
+        <p:nvSpPr>
+          <p:cNvPr id="8" name="Rectangle 7"/>
+          <p:cNvSpPr/>
+          <p:nvPr/>
+        </p:nvSpPr>
+        <p:spPr>
+          <a:xfrm>
+            <a:off x="2847669" y="1993751"/>
+            <a:ext cx="400050" cy="377190"/>
+          </a:xfrm>
+          <a:prstGeom prst="rect">
+            <a:avLst/>
+          </a:prstGeom>
+        </p:spPr>
+        <p:style>
+          <a:lnRef idx="2">
+            <a:schemeClr val="dk1"/>
+          </a:lnRef>
+          <a:fillRef idx="1">
+            <a:schemeClr val="lt1"/>
+          </a:fillRef>
+          <a:effectRef idx="0">
+            <a:schemeClr val="dk1"/>
+          </a:effectRef>
+          <a:fontRef idx="minor">
+            <a:schemeClr val="dk1"/>
+          </a:fontRef>
+        </p:style>
+        <p:txBody>
+          <a:bodyPr rtlCol="0" anchor="ctr"/>
+          <a:lstStyle/>
+          <a:p>
+            <a:pPr algn="ctr"/>
+            <a:endParaRPr lang="en-US" dirty="0"/>
+          </a:p>
+        </p:txBody>
+      </p:sp>
+      <p:sp>
+        <p:nvSpPr>
+          <p:cNvPr id="9" name="Rectangle 8"/>
+          <p:cNvSpPr/>
+          <p:nvPr/>
+        </p:nvSpPr>
+        <p:spPr>
+          <a:xfrm>
+            <a:off x="2702375" y="1925707"/>
+            <a:ext cx="400050" cy="377190"/>
+          </a:xfrm>
+          <a:prstGeom prst="rect">
+            <a:avLst/>
+          </a:prstGeom>
+        </p:spPr>
+        <p:style>
+          <a:lnRef idx="2">
+            <a:schemeClr val="dk1"/>
+          </a:lnRef>
+          <a:fillRef idx="1">
+            <a:schemeClr val="lt1"/>
+          </a:fillRef>
+          <a:effectRef idx="0">
+            <a:schemeClr val="dk1"/>
+          </a:effectRef>
+          <a:fontRef idx="minor">
+            <a:schemeClr val="dk1"/>
+          </a:fontRef>
+        </p:style>
+        <p:txBody>
+          <a:bodyPr rtlCol="0" anchor="ctr"/>
+          <a:lstStyle/>
+          <a:p>
+            <a:pPr algn="ctr"/>
+            <a:endParaRPr lang="en-US" dirty="0"/>
+          </a:p>
+        </p:txBody>
+      </p:sp>
+      <p:cxnSp>
+        <p:nvCxnSpPr>
+          <p:cNvPr id="11" name="Straight Connector 10"/>
+          <p:cNvCxnSpPr>
+            <a:stCxn id="6" idx="0"/>
+            <a:endCxn id="3" idx="2"/>
+          </p:cNvCxnSpPr>
+          <p:nvPr/>
+        </p:nvCxnSpPr>
+        <p:spPr>
+          <a:xfrm flipV="1">
+            <a:off x="2497977" y="1025604"/>
+            <a:ext cx="187643" cy="753774"/>
+          </a:xfrm>
+          <a:prstGeom prst="line">
+            <a:avLst/>
+          </a:prstGeom>
+        </p:spPr>
+        <p:style>
+          <a:lnRef idx="1">
+            <a:schemeClr val="accent1"/>
+          </a:lnRef>
+          <a:fillRef idx="0">
+            <a:schemeClr val="accent1"/>
+          </a:fillRef>
+          <a:effectRef idx="0">
+            <a:schemeClr val="accent1"/>
+          </a:effectRef>
+          <a:fontRef idx="minor">
+            <a:schemeClr val="tx1"/>
+          </a:fontRef>
+        </p:style>
+      </p:cxnSp>
+      <p:cxnSp>
+        <p:nvCxnSpPr>
+          <p:cNvPr id="13" name="Straight Connector 12"/>
+          <p:cNvCxnSpPr>
+            <a:stCxn id="7" idx="0"/>
+            <a:endCxn id="3" idx="2"/>
+          </p:cNvCxnSpPr>
+          <p:nvPr/>
+        </p:nvCxnSpPr>
+        <p:spPr>
+          <a:xfrm flipH="1" flipV="1">
+            <a:off x="2685620" y="1025604"/>
+            <a:ext cx="12382" cy="831701"/>
+          </a:xfrm>
+          <a:prstGeom prst="line">
+            <a:avLst/>
+          </a:prstGeom>
+        </p:spPr>
+        <p:style>
+          <a:lnRef idx="1">
+            <a:schemeClr val="accent1"/>
+          </a:lnRef>
+          <a:fillRef idx="0">
+            <a:schemeClr val="accent1"/>
+          </a:fillRef>
+          <a:effectRef idx="0">
+            <a:schemeClr val="accent1"/>
+          </a:effectRef>
+          <a:fontRef idx="minor">
+            <a:schemeClr val="tx1"/>
+          </a:fontRef>
+        </p:style>
+      </p:cxnSp>
+      <p:cxnSp>
+        <p:nvCxnSpPr>
+          <p:cNvPr id="15" name="Straight Connector 14"/>
+          <p:cNvCxnSpPr>
+            <a:stCxn id="2" idx="2"/>
+            <a:endCxn id="9" idx="0"/>
+          </p:cNvCxnSpPr>
+          <p:nvPr/>
+        </p:nvCxnSpPr>
+        <p:spPr>
+          <a:xfrm>
+            <a:off x="2497977" y="982980"/>
+            <a:ext cx="404423" cy="942727"/>
+          </a:xfrm>
+          <a:prstGeom prst="line">
+            <a:avLst/>
+          </a:prstGeom>
+        </p:spPr>
+        <p:style>
+          <a:lnRef idx="1">
+            <a:schemeClr val="accent1"/>
+          </a:lnRef>
+          <a:fillRef idx="0">
+            <a:schemeClr val="accent1"/>
+          </a:fillRef>
+          <a:effectRef idx="0">
+            <a:schemeClr val="accent1"/>
+          </a:effectRef>
+          <a:fontRef idx="minor">
+            <a:schemeClr val="tx1"/>
+          </a:fontRef>
+        </p:style>
+      </p:cxnSp>
+      <p:cxnSp>
+        <p:nvCxnSpPr>
+          <p:cNvPr id="17" name="Straight Connector 16"/>
+          <p:cNvCxnSpPr>
+            <a:stCxn id="5" idx="2"/>
+            <a:endCxn id="7" idx="0"/>
+          </p:cNvCxnSpPr>
+          <p:nvPr/>
+        </p:nvCxnSpPr>
+        <p:spPr>
+          <a:xfrm flipH="1">
+            <a:off x="2698002" y="1195864"/>
+            <a:ext cx="287303" cy="661441"/>
+          </a:xfrm>
+          <a:prstGeom prst="line">
+            <a:avLst/>
+          </a:prstGeom>
+        </p:spPr>
+        <p:style>
+          <a:lnRef idx="1">
+            <a:schemeClr val="accent1"/>
+          </a:lnRef>
+          <a:fillRef idx="0">
+            <a:schemeClr val="accent1"/>
+          </a:fillRef>
+          <a:effectRef idx="0">
+            <a:schemeClr val="accent1"/>
+          </a:effectRef>
+          <a:fontRef idx="minor">
+            <a:schemeClr val="tx1"/>
+          </a:fontRef>
+        </p:style>
+      </p:cxnSp>
+      <p:cxnSp>
+        <p:nvCxnSpPr>
+          <p:cNvPr id="19" name="Straight Connector 18"/>
+          <p:cNvCxnSpPr>
+            <a:stCxn id="5" idx="2"/>
+            <a:endCxn id="8" idx="0"/>
+          </p:cNvCxnSpPr>
+          <p:nvPr/>
+        </p:nvCxnSpPr>
+        <p:spPr>
+          <a:xfrm>
+            <a:off x="2985305" y="1195864"/>
+            <a:ext cx="62389" cy="797887"/>
+          </a:xfrm>
+          <a:prstGeom prst="line">
+            <a:avLst/>
+          </a:prstGeom>
+        </p:spPr>
+        <p:style>
+          <a:lnRef idx="1">
+            <a:schemeClr val="accent1"/>
+          </a:lnRef>
+          <a:fillRef idx="0">
+            <a:schemeClr val="accent1"/>
+          </a:fillRef>
+          <a:effectRef idx="0">
+            <a:schemeClr val="accent1"/>
+          </a:effectRef>
+          <a:fontRef idx="minor">
+            <a:schemeClr val="tx1"/>
+          </a:fontRef>
+        </p:style>
+      </p:cxnSp>
+      <p:cxnSp>
+        <p:nvCxnSpPr>
+          <p:cNvPr id="22" name="Straight Connector 21"/>
+          <p:cNvCxnSpPr>
+            <a:stCxn id="4" idx="2"/>
+            <a:endCxn id="8" idx="0"/>
+          </p:cNvCxnSpPr>
+          <p:nvPr/>
+        </p:nvCxnSpPr>
+        <p:spPr>
+          <a:xfrm>
+            <a:off x="2857671" y="1103531"/>
+            <a:ext cx="190023" cy="890220"/>
+          </a:xfrm>
+          <a:prstGeom prst="line">
+            <a:avLst/>
+          </a:prstGeom>
+        </p:spPr>
+        <p:style>
+          <a:lnRef idx="1">
+            <a:schemeClr val="accent1"/>
+          </a:lnRef>
+          <a:fillRef idx="0">
+            <a:schemeClr val="accent1"/>
+          </a:fillRef>
+          <a:effectRef idx="0">
+            <a:schemeClr val="accent1"/>
+          </a:effectRef>
+          <a:fontRef idx="minor">
+            <a:schemeClr val="tx1"/>
+          </a:fontRef>
+        </p:style>
+      </p:cxnSp>
+      <p:cxnSp>
+        <p:nvCxnSpPr>
+          <p:cNvPr id="24" name="Straight Connector 23"/>
+          <p:cNvCxnSpPr>
+            <a:stCxn id="4" idx="2"/>
+            <a:endCxn id="9" idx="0"/>
+          </p:cNvCxnSpPr>
+          <p:nvPr/>
+        </p:nvCxnSpPr>
+        <p:spPr>
+          <a:xfrm>
+            <a:off x="2857671" y="1103531"/>
+            <a:ext cx="44729" cy="822176"/>
+          </a:xfrm>
+          <a:prstGeom prst="line">
+            <a:avLst/>
+          </a:prstGeom>
+        </p:spPr>
+        <p:style>
+          <a:lnRef idx="1">
+            <a:schemeClr val="accent1"/>
+          </a:lnRef>
+          <a:fillRef idx="0">
+            <a:schemeClr val="accent1"/>
+          </a:fillRef>
+          <a:effectRef idx="0">
+            <a:schemeClr val="accent1"/>
+          </a:effectRef>
+          <a:fontRef idx="minor">
+            <a:schemeClr val="tx1"/>
+          </a:fontRef>
+        </p:style>
+      </p:cxnSp>
+      <p:sp>
+        <p:nvSpPr>
+          <p:cNvPr id="44" name="TextBox 43"/>
+          <p:cNvSpPr txBox="1"/>
+          <p:nvPr/>
+        </p:nvSpPr>
+        <p:spPr>
+          <a:xfrm>
+            <a:off x="3262484" y="541675"/>
+            <a:ext cx="1213484" cy="369332"/>
+          </a:xfrm>
+          <a:prstGeom prst="rect">
+            <a:avLst/>
+          </a:prstGeom>
+          <a:noFill/>
+        </p:spPr>
+        <p:txBody>
+          <a:bodyPr wrap="square" rtlCol="0">
+            <a:spAutoFit/>
+          </a:bodyPr>
+          <a:lstStyle/>
+          <a:p>
+            <a:r>
+              <a:rPr lang="en-US" dirty="0">
+                <a:latin typeface="Arial Narrow" panose="020B0606020202030204" pitchFamily="34" charset="0"/>
+              </a:rPr>
+              <a:t>views</a:t>
+            </a:r>
+          </a:p>
+        </p:txBody>
+      </p:sp>
+      <p:sp>
+        <p:nvSpPr>
+          <p:cNvPr id="45" name="TextBox 44"/>
+          <p:cNvSpPr txBox="1"/>
+          <p:nvPr/>
+        </p:nvSpPr>
+        <p:spPr>
+          <a:xfrm>
+            <a:off x="3262484" y="1787236"/>
+            <a:ext cx="1213484" cy="369332"/>
+          </a:xfrm>
+          <a:prstGeom prst="rect">
+            <a:avLst/>
+          </a:prstGeom>
+          <a:noFill/>
+        </p:spPr>
+        <p:txBody>
+          <a:bodyPr wrap="square" rtlCol="0">
+            <a:spAutoFit/>
+          </a:bodyPr>
+          <a:lstStyle/>
+          <a:p>
+            <a:r>
+              <a:rPr lang="en-US" dirty="0">
+                <a:latin typeface="Arial Narrow" panose="020B0606020202030204" pitchFamily="34" charset="0"/>
+              </a:rPr>
+              <a:t>items</a:t>
+            </a:r>
+          </a:p>
+        </p:txBody>
+      </p:sp>
+      <p:sp>
+        <p:nvSpPr>
+          <p:cNvPr id="3" name="Rectangle 2"/>
+          <p:cNvSpPr/>
+          <p:nvPr/>
+        </p:nvSpPr>
+        <p:spPr>
+          <a:xfrm>
+            <a:off x="2485595" y="648414"/>
+            <a:ext cx="400050" cy="377190"/>
+          </a:xfrm>
+          <a:prstGeom prst="rect">
+            <a:avLst/>
+          </a:prstGeom>
+        </p:spPr>
+        <p:style>
+          <a:lnRef idx="2">
+            <a:schemeClr val="dk1"/>
+          </a:lnRef>
+          <a:fillRef idx="1">
+            <a:schemeClr val="lt1"/>
+          </a:fillRef>
+          <a:effectRef idx="0">
+            <a:schemeClr val="dk1"/>
+          </a:effectRef>
+          <a:fontRef idx="minor">
+            <a:schemeClr val="dk1"/>
+          </a:fontRef>
+        </p:style>
+        <p:txBody>
+          <a:bodyPr rtlCol="0" anchor="ctr"/>
+          <a:lstStyle/>
+          <a:p>
+            <a:pPr algn="ctr"/>
+            <a:endParaRPr lang="en-US" dirty="0"/>
+          </a:p>
+        </p:txBody>
+      </p:sp>
+      <p:sp>
+        <p:nvSpPr>
+          <p:cNvPr id="4" name="Rectangle 3"/>
+          <p:cNvSpPr/>
+          <p:nvPr/>
+        </p:nvSpPr>
+        <p:spPr>
+          <a:xfrm>
+            <a:off x="2657646" y="726341"/>
+            <a:ext cx="400050" cy="377190"/>
+          </a:xfrm>
+          <a:prstGeom prst="rect">
+            <a:avLst/>
+          </a:prstGeom>
+        </p:spPr>
+        <p:style>
+          <a:lnRef idx="2">
+            <a:schemeClr val="dk1"/>
+          </a:lnRef>
+          <a:fillRef idx="1">
+            <a:schemeClr val="lt1"/>
+          </a:fillRef>
+          <a:effectRef idx="0">
+            <a:schemeClr val="dk1"/>
+          </a:effectRef>
+          <a:fontRef idx="minor">
+            <a:schemeClr val="dk1"/>
+          </a:fontRef>
+        </p:style>
+        <p:txBody>
+          <a:bodyPr rtlCol="0" anchor="ctr"/>
+          <a:lstStyle/>
+          <a:p>
+            <a:pPr algn="ctr"/>
+            <a:endParaRPr lang="en-US" dirty="0"/>
+          </a:p>
+        </p:txBody>
+      </p:sp>
+      <p:sp>
+        <p:nvSpPr>
+          <p:cNvPr id="5" name="Rectangle 4"/>
+          <p:cNvSpPr/>
+          <p:nvPr/>
+        </p:nvSpPr>
+        <p:spPr>
+          <a:xfrm>
+            <a:off x="2785280" y="818674"/>
+            <a:ext cx="400050" cy="377190"/>
+          </a:xfrm>
+          <a:prstGeom prst="rect">
+            <a:avLst/>
+          </a:prstGeom>
+        </p:spPr>
+        <p:style>
+          <a:lnRef idx="2">
+            <a:schemeClr val="dk1"/>
+          </a:lnRef>
+          <a:fillRef idx="1">
+            <a:schemeClr val="lt1"/>
+          </a:fillRef>
+          <a:effectRef idx="0">
+            <a:schemeClr val="dk1"/>
+          </a:effectRef>
+          <a:fontRef idx="minor">
+            <a:schemeClr val="dk1"/>
+          </a:fontRef>
+        </p:style>
+        <p:txBody>
+          <a:bodyPr rtlCol="0" anchor="ctr"/>
+          <a:lstStyle/>
+          <a:p>
+            <a:pPr algn="ctr"/>
+            <a:endParaRPr lang="en-US" dirty="0"/>
+          </a:p>
+        </p:txBody>
+      </p:sp>
+      <p:sp>
+        <p:nvSpPr>
+          <p:cNvPr id="69" name="Rectangle 68"/>
+          <p:cNvSpPr/>
+          <p:nvPr/>
+        </p:nvSpPr>
+        <p:spPr>
+          <a:xfrm>
+            <a:off x="501569" y="952791"/>
+            <a:ext cx="400050" cy="377190"/>
+          </a:xfrm>
+          <a:prstGeom prst="rect">
+            <a:avLst/>
+          </a:prstGeom>
+        </p:spPr>
+        <p:style>
+          <a:lnRef idx="2">
+            <a:schemeClr val="dk1"/>
+          </a:lnRef>
+          <a:fillRef idx="1">
+            <a:schemeClr val="lt1"/>
+          </a:fillRef>
+          <a:effectRef idx="0">
+            <a:schemeClr val="dk1"/>
+          </a:effectRef>
+          <a:fontRef idx="minor">
+            <a:schemeClr val="dk1"/>
+          </a:fontRef>
+        </p:style>
+        <p:txBody>
+          <a:bodyPr rtlCol="0" anchor="ctr"/>
+          <a:lstStyle/>
+          <a:p>
+            <a:pPr algn="ctr"/>
+            <a:endParaRPr lang="en-US" dirty="0"/>
+          </a:p>
+        </p:txBody>
+      </p:sp>
+      <p:sp>
+        <p:nvSpPr>
+          <p:cNvPr id="70" name="TextBox 69"/>
+          <p:cNvSpPr txBox="1"/>
+          <p:nvPr/>
+        </p:nvSpPr>
+        <p:spPr>
+          <a:xfrm>
+            <a:off x="235229" y="569616"/>
+            <a:ext cx="1213484" cy="369332"/>
+          </a:xfrm>
+          <a:prstGeom prst="rect">
+            <a:avLst/>
+          </a:prstGeom>
+          <a:noFill/>
+        </p:spPr>
+        <p:txBody>
+          <a:bodyPr wrap="square" rtlCol="0">
+            <a:spAutoFit/>
+          </a:bodyPr>
+          <a:lstStyle/>
+          <a:p>
+            <a:r>
+              <a:rPr lang="en-US" dirty="0">
+                <a:latin typeface="Arial Narrow" panose="020B0606020202030204" pitchFamily="34" charset="0"/>
+              </a:rPr>
+              <a:t>robots</a:t>
+            </a:r>
+          </a:p>
+        </p:txBody>
+      </p:sp>
+      <p:cxnSp>
+        <p:nvCxnSpPr>
+          <p:cNvPr id="74" name="Straight Connector 73"/>
+          <p:cNvCxnSpPr>
+            <a:stCxn id="72" idx="0"/>
+            <a:endCxn id="2" idx="1"/>
+          </p:cNvCxnSpPr>
+          <p:nvPr/>
+        </p:nvCxnSpPr>
+        <p:spPr>
+          <a:xfrm flipV="1">
+            <a:off x="1006394" y="794385"/>
+            <a:ext cx="1291558" cy="463206"/>
+          </a:xfrm>
+          <a:prstGeom prst="line">
+            <a:avLst/>
+          </a:prstGeom>
+          <a:ln w="12700">
+            <a:solidFill>
+              <a:schemeClr val="tx1"/>
+            </a:solidFill>
+            <a:tailEnd type="arrow"/>
+          </a:ln>
+        </p:spPr>
+        <p:style>
+          <a:lnRef idx="1">
+            <a:schemeClr val="accent1"/>
+          </a:lnRef>
+          <a:fillRef idx="0">
+            <a:schemeClr val="accent1"/>
+          </a:fillRef>
+          <a:effectRef idx="0">
+            <a:schemeClr val="accent1"/>
+          </a:effectRef>
+          <a:fontRef idx="minor">
+            <a:schemeClr val="tx1"/>
+          </a:fontRef>
+        </p:style>
+      </p:cxnSp>
+      <p:cxnSp>
+        <p:nvCxnSpPr>
+          <p:cNvPr id="77" name="Straight Connector 76"/>
+          <p:cNvCxnSpPr>
+            <a:stCxn id="73" idx="3"/>
+            <a:endCxn id="3" idx="1"/>
+          </p:cNvCxnSpPr>
+          <p:nvPr/>
+        </p:nvCxnSpPr>
+        <p:spPr>
+          <a:xfrm flipV="1">
+            <a:off x="1358819" y="837009"/>
+            <a:ext cx="1126776" cy="761577"/>
+          </a:xfrm>
+          <a:prstGeom prst="line">
+            <a:avLst/>
+          </a:prstGeom>
+          <a:ln w="12700">
+            <a:solidFill>
+              <a:schemeClr val="tx1"/>
+            </a:solidFill>
+            <a:tailEnd type="arrow"/>
+          </a:ln>
+        </p:spPr>
+        <p:style>
+          <a:lnRef idx="1">
+            <a:schemeClr val="accent1"/>
+          </a:lnRef>
+          <a:fillRef idx="0">
+            <a:schemeClr val="accent1"/>
+          </a:fillRef>
+          <a:effectRef idx="0">
+            <a:schemeClr val="accent1"/>
+          </a:effectRef>
+          <a:fontRef idx="minor">
+            <a:schemeClr val="tx1"/>
+          </a:fontRef>
+        </p:style>
+      </p:cxnSp>
+      <p:cxnSp>
+        <p:nvCxnSpPr>
+          <p:cNvPr id="80" name="Straight Connector 79"/>
+          <p:cNvCxnSpPr>
+            <a:stCxn id="72" idx="3"/>
+            <a:endCxn id="5" idx="1"/>
+          </p:cNvCxnSpPr>
+          <p:nvPr/>
+        </p:nvCxnSpPr>
+        <p:spPr>
+          <a:xfrm flipV="1">
+            <a:off x="1206419" y="1007269"/>
+            <a:ext cx="1578861" cy="438917"/>
+          </a:xfrm>
+          <a:prstGeom prst="line">
+            <a:avLst/>
+          </a:prstGeom>
+          <a:ln w="12700">
+            <a:solidFill>
+              <a:schemeClr val="tx1"/>
+            </a:solidFill>
+            <a:tailEnd type="arrow"/>
+          </a:ln>
+        </p:spPr>
+        <p:style>
+          <a:lnRef idx="1">
+            <a:schemeClr val="accent1"/>
+          </a:lnRef>
+          <a:fillRef idx="0">
+            <a:schemeClr val="accent1"/>
+          </a:fillRef>
+          <a:effectRef idx="0">
+            <a:schemeClr val="accent1"/>
+          </a:effectRef>
+          <a:fontRef idx="minor">
+            <a:schemeClr val="tx1"/>
+          </a:fontRef>
+        </p:style>
+      </p:cxnSp>
+      <p:cxnSp>
+        <p:nvCxnSpPr>
+          <p:cNvPr id="85" name="Straight Connector 84"/>
+          <p:cNvCxnSpPr>
+            <a:stCxn id="73" idx="0"/>
+            <a:endCxn id="7" idx="1"/>
+          </p:cNvCxnSpPr>
+          <p:nvPr/>
+        </p:nvCxnSpPr>
+        <p:spPr>
+          <a:xfrm>
+            <a:off x="1158794" y="1409991"/>
+            <a:ext cx="1339183" cy="635909"/>
+          </a:xfrm>
+          <a:prstGeom prst="line">
+            <a:avLst/>
+          </a:prstGeom>
+          <a:ln w="12700">
+            <a:solidFill>
+              <a:schemeClr val="tx1"/>
+            </a:solidFill>
+            <a:tailEnd type="arrow"/>
+          </a:ln>
+        </p:spPr>
+        <p:style>
+          <a:lnRef idx="1">
+            <a:schemeClr val="accent1"/>
+          </a:lnRef>
+          <a:fillRef idx="0">
+            <a:schemeClr val="accent1"/>
+          </a:fillRef>
+          <a:effectRef idx="0">
+            <a:schemeClr val="accent1"/>
+          </a:effectRef>
+          <a:fontRef idx="minor">
+            <a:schemeClr val="tx1"/>
+          </a:fontRef>
+        </p:style>
+      </p:cxnSp>
+      <p:sp>
+        <p:nvSpPr>
+          <p:cNvPr id="97" name="TextBox 96"/>
+          <p:cNvSpPr txBox="1"/>
+          <p:nvPr/>
+        </p:nvSpPr>
+        <p:spPr>
+          <a:xfrm>
+            <a:off x="1555814" y="581486"/>
+            <a:ext cx="1213484" cy="369332"/>
+          </a:xfrm>
+          <a:prstGeom prst="rect">
+            <a:avLst/>
+          </a:prstGeom>
+          <a:noFill/>
+        </p:spPr>
+        <p:txBody>
+          <a:bodyPr wrap="square" rtlCol="0">
+            <a:spAutoFit/>
+          </a:bodyPr>
+          <a:lstStyle/>
+          <a:p>
+            <a:r>
+              <a:rPr lang="en-US" dirty="0">
+                <a:effectLst>
+                  <a:glow rad="203200">
+                    <a:schemeClr val="bg1"/>
+                  </a:glow>
+                </a:effectLst>
+                <a:latin typeface="Arial Narrow" panose="020B0606020202030204" pitchFamily="34" charset="0"/>
+              </a:rPr>
+              <a:t>read</a:t>
+            </a:r>
+          </a:p>
+        </p:txBody>
+      </p:sp>
+      <p:sp>
+        <p:nvSpPr>
+          <p:cNvPr id="98" name="TextBox 97"/>
+          <p:cNvSpPr txBox="1"/>
+          <p:nvPr/>
+        </p:nvSpPr>
+        <p:spPr>
+          <a:xfrm>
+            <a:off x="1576448" y="1715439"/>
+            <a:ext cx="1213484" cy="369332"/>
+          </a:xfrm>
+          <a:prstGeom prst="rect">
+            <a:avLst/>
+          </a:prstGeom>
+          <a:noFill/>
+        </p:spPr>
+        <p:txBody>
+          <a:bodyPr wrap="square" rtlCol="0">
+            <a:spAutoFit/>
+          </a:bodyPr>
+          <a:lstStyle/>
+          <a:p>
+            <a:r>
+              <a:rPr lang="en-US" dirty="0">
+                <a:effectLst>
+                  <a:glow rad="203200">
+                    <a:schemeClr val="bg1"/>
+                  </a:glow>
+                </a:effectLst>
+                <a:latin typeface="Arial Narrow" panose="020B0606020202030204" pitchFamily="34" charset="0"/>
+              </a:rPr>
+              <a:t>write</a:t>
+            </a:r>
+          </a:p>
+        </p:txBody>
+      </p:sp>
+      <p:sp>
+        <p:nvSpPr>
+          <p:cNvPr id="71" name="Rectangle 70"/>
+          <p:cNvSpPr/>
+          <p:nvPr/>
+        </p:nvSpPr>
+        <p:spPr>
+          <a:xfrm>
+            <a:off x="653969" y="1105191"/>
+            <a:ext cx="400050" cy="377190"/>
+          </a:xfrm>
+          <a:prstGeom prst="rect">
+            <a:avLst/>
+          </a:prstGeom>
+        </p:spPr>
+        <p:style>
+          <a:lnRef idx="2">
+            <a:schemeClr val="dk1"/>
+          </a:lnRef>
+          <a:fillRef idx="1">
+            <a:schemeClr val="lt1"/>
+          </a:fillRef>
+          <a:effectRef idx="0">
+            <a:schemeClr val="dk1"/>
+          </a:effectRef>
+          <a:fontRef idx="minor">
+            <a:schemeClr val="dk1"/>
+          </a:fontRef>
+        </p:style>
+        <p:txBody>
+          <a:bodyPr rtlCol="0" anchor="ctr"/>
+          <a:lstStyle/>
+          <a:p>
+            <a:pPr algn="ctr"/>
+            <a:endParaRPr lang="en-US" dirty="0"/>
+          </a:p>
+        </p:txBody>
+      </p:sp>
+      <p:sp>
+        <p:nvSpPr>
+          <p:cNvPr id="72" name="Rectangle 71"/>
+          <p:cNvSpPr/>
+          <p:nvPr/>
+        </p:nvSpPr>
+        <p:spPr>
+          <a:xfrm>
+            <a:off x="806369" y="1257591"/>
+            <a:ext cx="400050" cy="377190"/>
+          </a:xfrm>
+          <a:prstGeom prst="rect">
+            <a:avLst/>
+          </a:prstGeom>
+        </p:spPr>
+        <p:style>
+          <a:lnRef idx="2">
+            <a:schemeClr val="dk1"/>
+          </a:lnRef>
+          <a:fillRef idx="1">
+            <a:schemeClr val="lt1"/>
+          </a:fillRef>
+          <a:effectRef idx="0">
+            <a:schemeClr val="dk1"/>
+          </a:effectRef>
+          <a:fontRef idx="minor">
+            <a:schemeClr val="dk1"/>
+          </a:fontRef>
+        </p:style>
+        <p:txBody>
+          <a:bodyPr rtlCol="0" anchor="ctr"/>
+          <a:lstStyle/>
+          <a:p>
+            <a:pPr algn="ctr"/>
+            <a:endParaRPr lang="en-US" dirty="0"/>
+          </a:p>
+        </p:txBody>
+      </p:sp>
+      <p:sp>
+        <p:nvSpPr>
+          <p:cNvPr id="73" name="Rectangle 72"/>
+          <p:cNvSpPr/>
+          <p:nvPr/>
+        </p:nvSpPr>
+        <p:spPr>
+          <a:xfrm>
+            <a:off x="958769" y="1409991"/>
+            <a:ext cx="400050" cy="377190"/>
+          </a:xfrm>
+          <a:prstGeom prst="rect">
+            <a:avLst/>
+          </a:prstGeom>
+        </p:spPr>
+        <p:style>
+          <a:lnRef idx="2">
+            <a:schemeClr val="dk1"/>
+          </a:lnRef>
+          <a:fillRef idx="1">
+            <a:schemeClr val="lt1"/>
+          </a:fillRef>
+          <a:effectRef idx="0">
+            <a:schemeClr val="dk1"/>
+          </a:effectRef>
+          <a:fontRef idx="minor">
+            <a:schemeClr val="dk1"/>
+          </a:fontRef>
+        </p:style>
+        <p:txBody>
+          <a:bodyPr rtlCol="0" anchor="ctr"/>
+          <a:lstStyle/>
+          <a:p>
+            <a:pPr algn="ctr"/>
+            <a:endParaRPr lang="en-US" dirty="0"/>
+          </a:p>
+        </p:txBody>
+      </p:sp>
+      <p:sp>
+        <p:nvSpPr>
+          <p:cNvPr id="102" name="TextBox 101"/>
+          <p:cNvSpPr txBox="1"/>
+          <p:nvPr/>
+        </p:nvSpPr>
+        <p:spPr>
+          <a:xfrm>
+            <a:off x="2562406" y="1253717"/>
+            <a:ext cx="1213484" cy="369332"/>
+          </a:xfrm>
+          <a:prstGeom prst="rect">
+            <a:avLst/>
+          </a:prstGeom>
+          <a:noFill/>
+        </p:spPr>
+        <p:txBody>
+          <a:bodyPr wrap="square" rtlCol="0">
+            <a:spAutoFit/>
+          </a:bodyPr>
+          <a:lstStyle/>
+          <a:p>
+            <a:r>
+              <a:rPr lang="en-US" dirty="0">
+                <a:latin typeface="Arial Narrow" panose="020B0606020202030204" pitchFamily="34" charset="0"/>
+              </a:rPr>
+              <a:t>propagation</a:t>
+            </a:r>
+          </a:p>
+        </p:txBody>
+      </p:sp>
+    </p:spTree>
+    <p:extLst>
+      <p:ext uri="{BB962C8B-B14F-4D97-AF65-F5344CB8AC3E}">
+        <p14:creationId xmlns:p14="http://schemas.microsoft.com/office/powerpoint/2010/main" val="1752597075"/>
+      </p:ext>
+    </p:extLst>
+  </p:cSld>
+  <p:clrMapOvr>
+    <a:masterClrMapping/>
+  </p:clrMapOvr>
+</p:sld>
+</file>
+
 <file path=ppt/theme/theme1.xml><?xml version="1.0" encoding="utf-8"?>
 <a:theme xmlns:a="http://schemas.openxmlformats.org/drawingml/2006/main" name="Office Theme">
   <a:themeElements>
